--- a/materials/slides/ch09/Requests库.pptx
+++ b/materials/slides/ch09/Requests库.pptx
@@ -202,7 +202,7 @@
           <a:p>
             <a:fld id="{E45DE43E-AE57-4683-A429-3F46F1978ACA}" type="datetimeFigureOut">
               <a:rPr lang="zh-CN" altLang="en-US" smtClean="0"/>
-              <a:t>2019/10/7</a:t>
+              <a:t>2019/10/8</a:t>
             </a:fld>
             <a:endParaRPr lang="zh-CN" altLang="en-US"/>
           </a:p>
@@ -982,11 +982,7 @@
             </a:r>
             <a:r>
               <a:rPr lang="zh-CN" altLang="en-US" dirty="0" smtClean="0"/>
-              <a:t>用于将字符串形式的数据转化为</a:t>
-            </a:r>
-            <a:r>
-              <a:rPr lang="zh-CN" altLang="en-US" dirty="0" smtClean="0"/>
-              <a:t>字典</a:t>
+              <a:t>用于将字符串形式的数据转化为字典</a:t>
             </a:r>
             <a:endParaRPr lang="en-US" altLang="zh-CN" dirty="0" smtClean="0"/>
           </a:p>
@@ -1208,7 +1204,7 @@
           <a:p>
             <a:fld id="{530820CF-B880-4189-942D-D702A7CBA730}" type="datetimeFigureOut">
               <a:rPr lang="zh-CN" altLang="en-US" smtClean="0"/>
-              <a:t>2019/10/7</a:t>
+              <a:t>2019/10/8</a:t>
             </a:fld>
             <a:endParaRPr lang="zh-CN" altLang="en-US"/>
           </a:p>
@@ -1606,7 +1602,7 @@
           <a:p>
             <a:fld id="{530820CF-B880-4189-942D-D702A7CBA730}" type="datetimeFigureOut">
               <a:rPr lang="zh-CN" altLang="en-US" smtClean="0"/>
-              <a:t>2019/10/7</a:t>
+              <a:t>2019/10/8</a:t>
             </a:fld>
             <a:endParaRPr lang="zh-CN" altLang="en-US"/>
           </a:p>
@@ -2152,7 +2148,7 @@
           <a:p>
             <a:fld id="{530820CF-B880-4189-942D-D702A7CBA730}" type="datetimeFigureOut">
               <a:rPr lang="zh-CN" altLang="en-US" smtClean="0"/>
-              <a:t>2019/10/7</a:t>
+              <a:t>2019/10/8</a:t>
             </a:fld>
             <a:endParaRPr lang="zh-CN" altLang="en-US"/>
           </a:p>
@@ -2762,6 +2758,13 @@
   <p:clrMapOvr>
     <a:masterClrMapping/>
   </p:clrMapOvr>
+  <p:timing>
+    <p:tnLst>
+      <p:par>
+        <p:cTn id="1" dur="indefinite" restart="never" nodeType="tmRoot"/>
+      </p:par>
+    </p:tnLst>
+  </p:timing>
 </p:sld>
 </file>
 
@@ -2822,14 +2825,7 @@
                 <a:latin typeface="微软雅黑" panose="020B0503020204020204" pitchFamily="34" charset="-122"/>
                 <a:ea typeface="微软雅黑" panose="020B0503020204020204" pitchFamily="34" charset="-122"/>
               </a:rPr>
-              <a:t>实现</a:t>
-            </a:r>
-            <a:r>
-              <a:rPr lang="zh-CN" altLang="en-US" dirty="0" smtClean="0">
-                <a:latin typeface="微软雅黑" panose="020B0503020204020204" pitchFamily="34" charset="-122"/>
-                <a:ea typeface="微软雅黑" panose="020B0503020204020204" pitchFamily="34" charset="-122"/>
-              </a:rPr>
-              <a:t>方法</a:t>
+              <a:t>实现方法</a:t>
             </a:r>
             <a:endParaRPr lang="en-US" altLang="zh-CN" dirty="0" smtClean="0">
               <a:latin typeface="微软雅黑" panose="020B0503020204020204" pitchFamily="34" charset="-122"/>
@@ -3935,10 +3931,10 @@
               <a:rPr lang="zh-CN" altLang="en-US" sz="2000" dirty="0" smtClean="0">
                 <a:latin typeface="+mn-ea"/>
               </a:rPr>
-              <a:t>将</a:t>
-            </a:r>
-            <a:r>
-              <a:rPr lang="en-US" altLang="zh-CN" sz="2000" dirty="0" smtClean="0">
+              <a:t>解析</a:t>
+            </a:r>
+            <a:r>
+              <a:rPr lang="en-US" altLang="zh-CN" sz="2000" dirty="0" err="1" smtClean="0">
                 <a:latin typeface="+mn-ea"/>
               </a:rPr>
               <a:t>json</a:t>
@@ -3947,7 +3943,7 @@
               <a:rPr lang="zh-CN" altLang="en-US" sz="2000" dirty="0" smtClean="0">
                 <a:latin typeface="+mn-ea"/>
               </a:rPr>
-              <a:t>格式的数据转化为字典</a:t>
+              <a:t>数据</a:t>
             </a:r>
             <a:endParaRPr lang="zh-CN" altLang="en-US" sz="2000" dirty="0">
               <a:latin typeface="+mn-ea"/>
@@ -4802,16 +4798,16 @@
               <a:t>：</a:t>
             </a:r>
             <a:r>
-              <a:rPr lang="en-US" altLang="zh-CN" sz="2800" dirty="0" smtClean="0">
+              <a:rPr lang="en-US" altLang="zh-CN" sz="2800" smtClean="0">
                 <a:solidFill>
                   <a:srgbClr val="FF0000"/>
                 </a:solidFill>
                 <a:latin typeface="+mn-ea"/>
               </a:rPr>
-              <a:t>header</a:t>
-            </a:r>
-            <a:r>
-              <a:rPr lang="en-US" altLang="zh-CN" sz="2800" dirty="0" smtClean="0">
+              <a:t>headers</a:t>
+            </a:r>
+            <a:r>
+              <a:rPr lang="en-US" altLang="zh-CN" sz="2800" smtClean="0">
                 <a:latin typeface="+mn-ea"/>
               </a:rPr>
               <a:t> </a:t>
@@ -4869,6 +4865,13 @@
   <p:clrMapOvr>
     <a:masterClrMapping/>
   </p:clrMapOvr>
+  <p:timing>
+    <p:tnLst>
+      <p:par>
+        <p:cTn id="1" dur="indefinite" restart="never" nodeType="tmRoot"/>
+      </p:par>
+    </p:tnLst>
+  </p:timing>
 </p:sld>
 </file>
 
@@ -5027,13 +5030,7 @@
               <a:rPr lang="zh-CN" altLang="en-US" sz="2000" dirty="0" smtClean="0">
                 <a:latin typeface="+mn-ea"/>
               </a:rPr>
-              <a:t>注意：参数</a:t>
-            </a:r>
-            <a:r>
-              <a:rPr lang="zh-CN" altLang="en-US" sz="2000" dirty="0" smtClean="0">
-                <a:latin typeface="+mn-ea"/>
-              </a:rPr>
-              <a:t>为</a:t>
+              <a:t>注意：参数为</a:t>
             </a:r>
             <a:r>
               <a:rPr lang="en-US" altLang="zh-CN" sz="2000" dirty="0" smtClean="0">
@@ -5096,6 +5093,13 @@
   <p:clrMapOvr>
     <a:masterClrMapping/>
   </p:clrMapOvr>
+  <p:timing>
+    <p:tnLst>
+      <p:par>
+        <p:cTn id="1" dur="indefinite" restart="never" nodeType="tmRoot"/>
+      </p:par>
+    </p:tnLst>
+  </p:timing>
 </p:sld>
 </file>
 
@@ -5235,6 +5239,13 @@
   <p:clrMapOvr>
     <a:masterClrMapping/>
   </p:clrMapOvr>
+  <p:timing>
+    <p:tnLst>
+      <p:par>
+        <p:cTn id="1" dur="indefinite" restart="never" nodeType="tmRoot"/>
+      </p:par>
+    </p:tnLst>
+  </p:timing>
 </p:sld>
 </file>
 
@@ -5246,7 +5257,7 @@
         <a:sysClr val="windowText" lastClr="000000"/>
       </a:dk1>
       <a:lt1>
-        <a:sysClr val="window" lastClr="FFFFFF"/>
+        <a:sysClr val="window" lastClr="CCE8CF"/>
       </a:lt1>
       <a:dk2>
         <a:srgbClr val="1F497D"/>
@@ -5529,7 +5540,7 @@
         <a:sysClr val="windowText" lastClr="000000"/>
       </a:dk1>
       <a:lt1>
-        <a:sysClr val="window" lastClr="FFFFFF"/>
+        <a:sysClr val="window" lastClr="CCE8CF"/>
       </a:lt1>
       <a:dk2>
         <a:srgbClr val="1F497D"/>
